--- a/Ninja_cut_pres.pptx
+++ b/Ninja_cut_pres.pptx
@@ -286,6 +286,11 @@
       </a:defRPr>
     </a:lvl9pPr>
   </p:defaultTextStyle>
+  <p:extLst>
+    <p:ext uri="{EFAFB233-063F-42B5-8137-9DF3F51BA10A}">
+      <p15:sldGuideLst xmlns:p15="http://schemas.microsoft.com/office/powerpoint/2012/main"/>
+    </p:ext>
+  </p:extLst>
 </p:presentation>
 </file>
 
@@ -926,7 +931,7 @@
               </a:spcAft>
               <a:buNone/>
             </a:pPr>
-            <a:endParaRPr/>
+            <a:endParaRPr dirty="0"/>
           </a:p>
         </p:txBody>
       </p:sp>
@@ -4970,7 +4975,7 @@
                 <a:latin typeface="Cambria" panose="02040503050406030204" pitchFamily="18" charset="0"/>
                 <a:ea typeface="Cambria" panose="02040503050406030204" pitchFamily="18" charset="0"/>
               </a:rPr>
-              <a:t>passará de fase, se ele efetuar o corte na hora certa, caso contrário, o jogo terminará com a derrota. Quando o usuário atingir uma certa quantidade de pontos, ganhos ao abater outros ninjas, ele </a:t>
+              <a:t>passará de fase se ele efetuar o corte na hora certa, caso contrário, o jogo terminará com a derrota. O usuário terá que atingir uma certa quantidade de pontos, ganhos ao abater outros ninjas</a:t>
             </a:r>
           </a:p>
           <a:p>
@@ -5063,7 +5068,7 @@
           </p:cNvPicPr>
           <p:nvPr/>
         </p:nvPicPr>
-        <p:blipFill>
+        <p:blipFill rotWithShape="1">
           <a:blip r:embed="rId3">
             <a:extLst>
               <a:ext uri="{28A0092B-C50C-407E-A947-70E740481C1C}">
@@ -5071,15 +5076,13 @@
               </a:ext>
             </a:extLst>
           </a:blip>
-          <a:srcRect/>
-          <a:stretch>
-            <a:fillRect/>
-          </a:stretch>
+          <a:srcRect l="6625"/>
+          <a:stretch/>
         </p:blipFill>
         <p:spPr bwMode="auto">
           <a:xfrm>
-            <a:off x="818020" y="1396518"/>
-            <a:ext cx="4376884" cy="2609699"/>
+            <a:off x="1014287" y="1415568"/>
+            <a:ext cx="4086900" cy="2609699"/>
           </a:xfrm>
           <a:prstGeom prst="rect">
             <a:avLst/>
@@ -5596,10 +5599,6 @@
           </p:nvPr>
         </p:nvSpPr>
         <p:spPr>
-          <a:xfrm>
-            <a:off x="0" y="0"/>
-            <a:ext cx="594900" cy="731700"/>
-          </a:xfrm>
           <a:prstGeom prst="rect">
             <a:avLst/>
           </a:prstGeom>
@@ -5639,8 +5638,8 @@
         </p:nvSpPr>
         <p:spPr>
           <a:xfrm>
-            <a:off x="5642751" y="716749"/>
-            <a:ext cx="3447207" cy="3969239"/>
+            <a:off x="5474367" y="1048905"/>
+            <a:ext cx="3448050" cy="3970337"/>
           </a:xfrm>
           <a:prstGeom prst="rect">
             <a:avLst/>
@@ -5654,7 +5653,12 @@
           <a:p>
             <a:pPr indent="-457200"/>
             <a:r>
-              <a:rPr lang="en-US" dirty="0">
+              <a:rPr lang="en-US" b="1" dirty="0">
+                <a:solidFill>
+                  <a:schemeClr val="bg1"/>
+                </a:solidFill>
+                <a:latin typeface="Cambria" panose="02040503050406030204" pitchFamily="18" charset="0"/>
+                <a:ea typeface="Cambria" panose="02040503050406030204" pitchFamily="18" charset="0"/>
                 <a:sym typeface="Dosis"/>
               </a:rPr>
               <a:t>Menu Principal</a:t>
@@ -5663,35 +5667,79 @@
           <a:p>
             <a:pPr indent="-457200"/>
             <a:r>
-              <a:rPr lang="en-US" dirty="0" err="1">
+              <a:rPr lang="en-US" b="1" dirty="0" err="1">
+                <a:solidFill>
+                  <a:schemeClr val="bg1"/>
+                </a:solidFill>
+                <a:latin typeface="Cambria" panose="02040503050406030204" pitchFamily="18" charset="0"/>
+                <a:ea typeface="Cambria" panose="02040503050406030204" pitchFamily="18" charset="0"/>
                 <a:sym typeface="Dosis"/>
               </a:rPr>
               <a:t>Botões</a:t>
             </a:r>
-            <a:endParaRPr lang="en-US" dirty="0">
+            <a:endParaRPr lang="en-US" b="1" dirty="0">
+              <a:solidFill>
+                <a:schemeClr val="bg1"/>
+              </a:solidFill>
+              <a:latin typeface="Cambria" panose="02040503050406030204" pitchFamily="18" charset="0"/>
+              <a:ea typeface="Cambria" panose="02040503050406030204" pitchFamily="18" charset="0"/>
               <a:sym typeface="Dosis"/>
             </a:endParaRPr>
           </a:p>
           <a:p>
             <a:pPr indent="-457200"/>
             <a:r>
-              <a:rPr lang="en-US" dirty="0" err="1">
+              <a:rPr lang="en-US" b="1" dirty="0" err="1">
+                <a:solidFill>
+                  <a:schemeClr val="bg1"/>
+                </a:solidFill>
+                <a:latin typeface="Cambria" panose="02040503050406030204" pitchFamily="18" charset="0"/>
+                <a:ea typeface="Cambria" panose="02040503050406030204" pitchFamily="18" charset="0"/>
                 <a:sym typeface="Dosis"/>
               </a:rPr>
               <a:t>Personagens</a:t>
             </a:r>
-            <a:endParaRPr lang="en-US" dirty="0">
+            <a:endParaRPr lang="en-US" b="1" dirty="0">
+              <a:solidFill>
+                <a:schemeClr val="bg1"/>
+              </a:solidFill>
+              <a:latin typeface="Cambria" panose="02040503050406030204" pitchFamily="18" charset="0"/>
+              <a:ea typeface="Cambria" panose="02040503050406030204" pitchFamily="18" charset="0"/>
               <a:sym typeface="Dosis"/>
             </a:endParaRPr>
           </a:p>
           <a:p>
             <a:pPr indent="-457200"/>
             <a:r>
-              <a:rPr lang="en-US" dirty="0">
+              <a:rPr lang="en-US" b="1" dirty="0" err="1">
+                <a:solidFill>
+                  <a:schemeClr val="bg1"/>
+                </a:solidFill>
+                <a:latin typeface="Cambria" panose="02040503050406030204" pitchFamily="18" charset="0"/>
+                <a:ea typeface="Cambria" panose="02040503050406030204" pitchFamily="18" charset="0"/>
                 <a:sym typeface="Dosis"/>
               </a:rPr>
-              <a:t>……..</a:t>
+              <a:t>Movimentação</a:t>
             </a:r>
+            <a:endParaRPr lang="en-US" b="1" dirty="0">
+              <a:solidFill>
+                <a:schemeClr val="bg1"/>
+              </a:solidFill>
+              <a:latin typeface="Cambria" panose="02040503050406030204" pitchFamily="18" charset="0"/>
+              <a:ea typeface="Cambria" panose="02040503050406030204" pitchFamily="18" charset="0"/>
+              <a:sym typeface="Dosis"/>
+            </a:endParaRPr>
+          </a:p>
+          <a:p>
+            <a:pPr indent="-457200"/>
+            <a:endParaRPr lang="en-US" b="1" dirty="0">
+              <a:solidFill>
+                <a:schemeClr val="bg1"/>
+              </a:solidFill>
+              <a:latin typeface="Cambria" panose="02040503050406030204" pitchFamily="18" charset="0"/>
+              <a:ea typeface="Cambria" panose="02040503050406030204" pitchFamily="18" charset="0"/>
+              <a:sym typeface="Dosis"/>
+            </a:endParaRPr>
           </a:p>
           <a:p>
             <a:pPr indent="-457200"/>
